--- a/14 Peripheral cards and devices.pptx
+++ b/14 Peripheral cards and devices.pptx
@@ -116,6 +116,11 @@
       </a:defRPr>
     </a:lvl9pPr>
   </p:defaultTextStyle>
+  <p:extLst>
+    <p:ext uri="{EFAFB233-063F-42B5-8137-9DF3F51BA10A}">
+      <p15:sldGuideLst xmlns:p15="http://schemas.microsoft.com/office/powerpoint/2012/main"/>
+    </p:ext>
+  </p:extLst>
 </p:presentation>
 </file>
 
@@ -250,7 +255,7 @@
           <a:p>
             <a:fld id="{7811689C-738C-4080-A301-B0246513A069}" type="datetimeFigureOut">
               <a:rPr lang="en-US" smtClean="0"/>
-              <a:t>11/22/2023</a:t>
+              <a:t>11/26/2023</a:t>
             </a:fld>
             <a:endParaRPr lang="en-US"/>
           </a:p>
@@ -420,7 +425,7 @@
           <a:p>
             <a:fld id="{7811689C-738C-4080-A301-B0246513A069}" type="datetimeFigureOut">
               <a:rPr lang="en-US" smtClean="0"/>
-              <a:t>11/22/2023</a:t>
+              <a:t>11/26/2023</a:t>
             </a:fld>
             <a:endParaRPr lang="en-US"/>
           </a:p>
@@ -600,7 +605,7 @@
           <a:p>
             <a:fld id="{7811689C-738C-4080-A301-B0246513A069}" type="datetimeFigureOut">
               <a:rPr lang="en-US" smtClean="0"/>
-              <a:t>11/22/2023</a:t>
+              <a:t>11/26/2023</a:t>
             </a:fld>
             <a:endParaRPr lang="en-US"/>
           </a:p>
@@ -770,7 +775,7 @@
           <a:p>
             <a:fld id="{7811689C-738C-4080-A301-B0246513A069}" type="datetimeFigureOut">
               <a:rPr lang="en-US" smtClean="0"/>
-              <a:t>11/22/2023</a:t>
+              <a:t>11/26/2023</a:t>
             </a:fld>
             <a:endParaRPr lang="en-US"/>
           </a:p>
@@ -1016,7 +1021,7 @@
           <a:p>
             <a:fld id="{7811689C-738C-4080-A301-B0246513A069}" type="datetimeFigureOut">
               <a:rPr lang="en-US" smtClean="0"/>
-              <a:t>11/22/2023</a:t>
+              <a:t>11/26/2023</a:t>
             </a:fld>
             <a:endParaRPr lang="en-US"/>
           </a:p>
@@ -1248,7 +1253,7 @@
           <a:p>
             <a:fld id="{7811689C-738C-4080-A301-B0246513A069}" type="datetimeFigureOut">
               <a:rPr lang="en-US" smtClean="0"/>
-              <a:t>11/22/2023</a:t>
+              <a:t>11/26/2023</a:t>
             </a:fld>
             <a:endParaRPr lang="en-US"/>
           </a:p>
@@ -1615,7 +1620,7 @@
           <a:p>
             <a:fld id="{7811689C-738C-4080-A301-B0246513A069}" type="datetimeFigureOut">
               <a:rPr lang="en-US" smtClean="0"/>
-              <a:t>11/22/2023</a:t>
+              <a:t>11/26/2023</a:t>
             </a:fld>
             <a:endParaRPr lang="en-US"/>
           </a:p>
@@ -1733,7 +1738,7 @@
           <a:p>
             <a:fld id="{7811689C-738C-4080-A301-B0246513A069}" type="datetimeFigureOut">
               <a:rPr lang="en-US" smtClean="0"/>
-              <a:t>11/22/2023</a:t>
+              <a:t>11/26/2023</a:t>
             </a:fld>
             <a:endParaRPr lang="en-US"/>
           </a:p>
@@ -1828,7 +1833,7 @@
           <a:p>
             <a:fld id="{7811689C-738C-4080-A301-B0246513A069}" type="datetimeFigureOut">
               <a:rPr lang="en-US" smtClean="0"/>
-              <a:t>11/22/2023</a:t>
+              <a:t>11/26/2023</a:t>
             </a:fld>
             <a:endParaRPr lang="en-US"/>
           </a:p>
@@ -2105,7 +2110,7 @@
           <a:p>
             <a:fld id="{7811689C-738C-4080-A301-B0246513A069}" type="datetimeFigureOut">
               <a:rPr lang="en-US" smtClean="0"/>
-              <a:t>11/22/2023</a:t>
+              <a:t>11/26/2023</a:t>
             </a:fld>
             <a:endParaRPr lang="en-US"/>
           </a:p>
@@ -2358,7 +2363,7 @@
           <a:p>
             <a:fld id="{7811689C-738C-4080-A301-B0246513A069}" type="datetimeFigureOut">
               <a:rPr lang="en-US" smtClean="0"/>
-              <a:t>11/22/2023</a:t>
+              <a:t>11/26/2023</a:t>
             </a:fld>
             <a:endParaRPr lang="en-US"/>
           </a:p>
@@ -2571,7 +2576,7 @@
           <a:p>
             <a:fld id="{7811689C-738C-4080-A301-B0246513A069}" type="datetimeFigureOut">
               <a:rPr lang="en-US" smtClean="0"/>
-              <a:t>11/22/2023</a:t>
+              <a:t>11/26/2023</a:t>
             </a:fld>
             <a:endParaRPr lang="en-US"/>
           </a:p>
@@ -3014,7 +3019,11 @@
           <a:bodyPr/>
           <a:lstStyle/>
           <a:p>
-            <a:endParaRPr lang="en-US"/>
+            <a:r>
+              <a:rPr lang="en-US" smtClean="0"/>
+              <a:t>Peripheral card</a:t>
+            </a:r>
+            <a:endParaRPr lang="en-US" dirty="0"/>
           </a:p>
         </p:txBody>
       </p:sp>

--- a/14 Peripheral cards and devices.pptx
+++ b/14 Peripheral cards and devices.pptx
@@ -255,7 +255,7 @@
           <a:p>
             <a:fld id="{7811689C-738C-4080-A301-B0246513A069}" type="datetimeFigureOut">
               <a:rPr lang="en-US" smtClean="0"/>
-              <a:t>11/26/2023</a:t>
+              <a:t>11/28/2023</a:t>
             </a:fld>
             <a:endParaRPr lang="en-US"/>
           </a:p>
@@ -425,7 +425,7 @@
           <a:p>
             <a:fld id="{7811689C-738C-4080-A301-B0246513A069}" type="datetimeFigureOut">
               <a:rPr lang="en-US" smtClean="0"/>
-              <a:t>11/26/2023</a:t>
+              <a:t>11/28/2023</a:t>
             </a:fld>
             <a:endParaRPr lang="en-US"/>
           </a:p>
@@ -605,7 +605,7 @@
           <a:p>
             <a:fld id="{7811689C-738C-4080-A301-B0246513A069}" type="datetimeFigureOut">
               <a:rPr lang="en-US" smtClean="0"/>
-              <a:t>11/26/2023</a:t>
+              <a:t>11/28/2023</a:t>
             </a:fld>
             <a:endParaRPr lang="en-US"/>
           </a:p>
@@ -775,7 +775,7 @@
           <a:p>
             <a:fld id="{7811689C-738C-4080-A301-B0246513A069}" type="datetimeFigureOut">
               <a:rPr lang="en-US" smtClean="0"/>
-              <a:t>11/26/2023</a:t>
+              <a:t>11/28/2023</a:t>
             </a:fld>
             <a:endParaRPr lang="en-US"/>
           </a:p>
@@ -1021,7 +1021,7 @@
           <a:p>
             <a:fld id="{7811689C-738C-4080-A301-B0246513A069}" type="datetimeFigureOut">
               <a:rPr lang="en-US" smtClean="0"/>
-              <a:t>11/26/2023</a:t>
+              <a:t>11/28/2023</a:t>
             </a:fld>
             <a:endParaRPr lang="en-US"/>
           </a:p>
@@ -1253,7 +1253,7 @@
           <a:p>
             <a:fld id="{7811689C-738C-4080-A301-B0246513A069}" type="datetimeFigureOut">
               <a:rPr lang="en-US" smtClean="0"/>
-              <a:t>11/26/2023</a:t>
+              <a:t>11/28/2023</a:t>
             </a:fld>
             <a:endParaRPr lang="en-US"/>
           </a:p>
@@ -1620,7 +1620,7 @@
           <a:p>
             <a:fld id="{7811689C-738C-4080-A301-B0246513A069}" type="datetimeFigureOut">
               <a:rPr lang="en-US" smtClean="0"/>
-              <a:t>11/26/2023</a:t>
+              <a:t>11/28/2023</a:t>
             </a:fld>
             <a:endParaRPr lang="en-US"/>
           </a:p>
@@ -1738,7 +1738,7 @@
           <a:p>
             <a:fld id="{7811689C-738C-4080-A301-B0246513A069}" type="datetimeFigureOut">
               <a:rPr lang="en-US" smtClean="0"/>
-              <a:t>11/26/2023</a:t>
+              <a:t>11/28/2023</a:t>
             </a:fld>
             <a:endParaRPr lang="en-US"/>
           </a:p>
@@ -1833,7 +1833,7 @@
           <a:p>
             <a:fld id="{7811689C-738C-4080-A301-B0246513A069}" type="datetimeFigureOut">
               <a:rPr lang="en-US" smtClean="0"/>
-              <a:t>11/26/2023</a:t>
+              <a:t>11/28/2023</a:t>
             </a:fld>
             <a:endParaRPr lang="en-US"/>
           </a:p>
@@ -2110,7 +2110,7 @@
           <a:p>
             <a:fld id="{7811689C-738C-4080-A301-B0246513A069}" type="datetimeFigureOut">
               <a:rPr lang="en-US" smtClean="0"/>
-              <a:t>11/26/2023</a:t>
+              <a:t>11/28/2023</a:t>
             </a:fld>
             <a:endParaRPr lang="en-US"/>
           </a:p>
@@ -2363,7 +2363,7 @@
           <a:p>
             <a:fld id="{7811689C-738C-4080-A301-B0246513A069}" type="datetimeFigureOut">
               <a:rPr lang="en-US" smtClean="0"/>
-              <a:t>11/26/2023</a:t>
+              <a:t>11/28/2023</a:t>
             </a:fld>
             <a:endParaRPr lang="en-US"/>
           </a:p>
@@ -2576,7 +2576,7 @@
           <a:p>
             <a:fld id="{7811689C-738C-4080-A301-B0246513A069}" type="datetimeFigureOut">
               <a:rPr lang="en-US" smtClean="0"/>
-              <a:t>11/26/2023</a:t>
+              <a:t>11/28/2023</a:t>
             </a:fld>
             <a:endParaRPr lang="en-US"/>
           </a:p>
@@ -3019,10 +3019,6 @@
           <a:bodyPr/>
           <a:lstStyle/>
           <a:p>
-            <a:r>
-              <a:rPr lang="en-US" smtClean="0"/>
-              <a:t>Peripheral card</a:t>
-            </a:r>
             <a:endParaRPr lang="en-US" dirty="0"/>
           </a:p>
         </p:txBody>
